--- a/Year9CATInv2SeanChan.pptx
+++ b/Year9CATInv2SeanChan.pptx
@@ -118,6 +118,11 @@
       </a:defRPr>
     </a:lvl9pPr>
   </p:defaultTextStyle>
+  <p:extLst>
+    <p:ext uri="{EFAFB233-063F-42B5-8137-9DF3F51BA10A}">
+      <p15:sldGuideLst xmlns:p15="http://schemas.microsoft.com/office/powerpoint/2012/main"/>
+    </p:ext>
+  </p:extLst>
 </p:presentation>
 </file>
 
@@ -134,16 +139,32 @@
   <pc:docChgLst>
     <pc:chgData name="CHAN Sean" userId="31c8acd3-9d1d-49d2-815f-ab507deab43b" providerId="ADAL" clId="{4E6AA3AE-4B20-40D9-8446-5910D9A88B41}"/>
     <pc:docChg chg="undo custSel addSld modSld">
-      <pc:chgData name="CHAN Sean" userId="31c8acd3-9d1d-49d2-815f-ab507deab43b" providerId="ADAL" clId="{4E6AA3AE-4B20-40D9-8446-5910D9A88B41}" dt="2025-09-26T11:17:12.504" v="125" actId="20577"/>
+      <pc:chgData name="CHAN Sean" userId="31c8acd3-9d1d-49d2-815f-ab507deab43b" providerId="ADAL" clId="{4E6AA3AE-4B20-40D9-8446-5910D9A88B41}" dt="2025-10-15T06:04:21.785" v="174" actId="20577"/>
       <pc:docMkLst>
         <pc:docMk/>
       </pc:docMkLst>
-      <pc:sldChg chg="new">
-        <pc:chgData name="CHAN Sean" userId="31c8acd3-9d1d-49d2-815f-ab507deab43b" providerId="ADAL" clId="{4E6AA3AE-4B20-40D9-8446-5910D9A88B41}" dt="2025-09-26T11:12:28.167" v="0" actId="680"/>
+      <pc:sldChg chg="modSp new mod">
+        <pc:chgData name="CHAN Sean" userId="31c8acd3-9d1d-49d2-815f-ab507deab43b" providerId="ADAL" clId="{4E6AA3AE-4B20-40D9-8446-5910D9A88B41}" dt="2025-09-26T11:19:10.090" v="168" actId="20577"/>
         <pc:sldMkLst>
           <pc:docMk/>
           <pc:sldMk cId="1836825996" sldId="256"/>
         </pc:sldMkLst>
+        <pc:spChg chg="mod">
+          <ac:chgData name="CHAN Sean" userId="31c8acd3-9d1d-49d2-815f-ab507deab43b" providerId="ADAL" clId="{4E6AA3AE-4B20-40D9-8446-5910D9A88B41}" dt="2025-09-26T11:19:05.597" v="153" actId="20577"/>
+          <ac:spMkLst>
+            <pc:docMk/>
+            <pc:sldMk cId="1836825996" sldId="256"/>
+            <ac:spMk id="2" creationId="{F6F52FA4-3A2C-7F7C-3823-0D0BF8DA98B0}"/>
+          </ac:spMkLst>
+        </pc:spChg>
+        <pc:spChg chg="mod">
+          <ac:chgData name="CHAN Sean" userId="31c8acd3-9d1d-49d2-815f-ab507deab43b" providerId="ADAL" clId="{4E6AA3AE-4B20-40D9-8446-5910D9A88B41}" dt="2025-09-26T11:19:10.090" v="168" actId="20577"/>
+          <ac:spMkLst>
+            <pc:docMk/>
+            <pc:sldMk cId="1836825996" sldId="256"/>
+            <ac:spMk id="3" creationId="{90903CBC-CA36-D3B3-5569-A9A04B906EDC}"/>
+          </ac:spMkLst>
+        </pc:spChg>
       </pc:sldChg>
       <pc:sldChg chg="modSp new mod">
         <pc:chgData name="CHAN Sean" userId="31c8acd3-9d1d-49d2-815f-ab507deab43b" providerId="ADAL" clId="{4E6AA3AE-4B20-40D9-8446-5910D9A88B41}" dt="2025-09-26T11:12:41.462" v="11" actId="20577"/>
@@ -215,7 +236,7 @@
         </pc:spChg>
       </pc:sldChg>
       <pc:sldChg chg="modSp new mod">
-        <pc:chgData name="CHAN Sean" userId="31c8acd3-9d1d-49d2-815f-ab507deab43b" providerId="ADAL" clId="{4E6AA3AE-4B20-40D9-8446-5910D9A88B41}" dt="2025-09-26T11:14:25.594" v="35" actId="20577"/>
+        <pc:chgData name="CHAN Sean" userId="31c8acd3-9d1d-49d2-815f-ab507deab43b" providerId="ADAL" clId="{4E6AA3AE-4B20-40D9-8446-5910D9A88B41}" dt="2025-10-15T06:04:21.785" v="174" actId="20577"/>
         <pc:sldMkLst>
           <pc:docMk/>
           <pc:sldMk cId="1967326433" sldId="260"/>
@@ -229,7 +250,7 @@
           </ac:spMkLst>
         </pc:spChg>
         <pc:spChg chg="mod">
-          <ac:chgData name="CHAN Sean" userId="31c8acd3-9d1d-49d2-815f-ab507deab43b" providerId="ADAL" clId="{4E6AA3AE-4B20-40D9-8446-5910D9A88B41}" dt="2025-09-26T11:14:13.510" v="30" actId="27636"/>
+          <ac:chgData name="CHAN Sean" userId="31c8acd3-9d1d-49d2-815f-ab507deab43b" providerId="ADAL" clId="{4E6AA3AE-4B20-40D9-8446-5910D9A88B41}" dt="2025-10-15T06:04:21.785" v="174" actId="20577"/>
           <ac:spMkLst>
             <pc:docMk/>
             <pc:sldMk cId="1967326433" sldId="260"/>
@@ -621,7 +642,7 @@
           <a:p>
             <a:fld id="{F9F56BFA-1CF3-44E4-B433-CA84DD3EC49D}" type="datetimeFigureOut">
               <a:rPr lang="en-AU" smtClean="0"/>
-              <a:t>26/09/2025</a:t>
+              <a:t>15/10/2025</a:t>
             </a:fld>
             <a:endParaRPr lang="en-AU"/>
           </a:p>
@@ -821,7 +842,7 @@
           <a:p>
             <a:fld id="{F9F56BFA-1CF3-44E4-B433-CA84DD3EC49D}" type="datetimeFigureOut">
               <a:rPr lang="en-AU" smtClean="0"/>
-              <a:t>26/09/2025</a:t>
+              <a:t>15/10/2025</a:t>
             </a:fld>
             <a:endParaRPr lang="en-AU"/>
           </a:p>
@@ -1031,7 +1052,7 @@
           <a:p>
             <a:fld id="{F9F56BFA-1CF3-44E4-B433-CA84DD3EC49D}" type="datetimeFigureOut">
               <a:rPr lang="en-AU" smtClean="0"/>
-              <a:t>26/09/2025</a:t>
+              <a:t>15/10/2025</a:t>
             </a:fld>
             <a:endParaRPr lang="en-AU"/>
           </a:p>
@@ -1231,7 +1252,7 @@
           <a:p>
             <a:fld id="{F9F56BFA-1CF3-44E4-B433-CA84DD3EC49D}" type="datetimeFigureOut">
               <a:rPr lang="en-AU" smtClean="0"/>
-              <a:t>26/09/2025</a:t>
+              <a:t>15/10/2025</a:t>
             </a:fld>
             <a:endParaRPr lang="en-AU"/>
           </a:p>
@@ -1507,7 +1528,7 @@
           <a:p>
             <a:fld id="{F9F56BFA-1CF3-44E4-B433-CA84DD3EC49D}" type="datetimeFigureOut">
               <a:rPr lang="en-AU" smtClean="0"/>
-              <a:t>26/09/2025</a:t>
+              <a:t>15/10/2025</a:t>
             </a:fld>
             <a:endParaRPr lang="en-AU"/>
           </a:p>
@@ -1775,7 +1796,7 @@
           <a:p>
             <a:fld id="{F9F56BFA-1CF3-44E4-B433-CA84DD3EC49D}" type="datetimeFigureOut">
               <a:rPr lang="en-AU" smtClean="0"/>
-              <a:t>26/09/2025</a:t>
+              <a:t>15/10/2025</a:t>
             </a:fld>
             <a:endParaRPr lang="en-AU"/>
           </a:p>
@@ -2190,7 +2211,7 @@
           <a:p>
             <a:fld id="{F9F56BFA-1CF3-44E4-B433-CA84DD3EC49D}" type="datetimeFigureOut">
               <a:rPr lang="en-AU" smtClean="0"/>
-              <a:t>26/09/2025</a:t>
+              <a:t>15/10/2025</a:t>
             </a:fld>
             <a:endParaRPr lang="en-AU"/>
           </a:p>
@@ -2332,7 +2353,7 @@
           <a:p>
             <a:fld id="{F9F56BFA-1CF3-44E4-B433-CA84DD3EC49D}" type="datetimeFigureOut">
               <a:rPr lang="en-AU" smtClean="0"/>
-              <a:t>26/09/2025</a:t>
+              <a:t>15/10/2025</a:t>
             </a:fld>
             <a:endParaRPr lang="en-AU"/>
           </a:p>
@@ -2445,7 +2466,7 @@
           <a:p>
             <a:fld id="{F9F56BFA-1CF3-44E4-B433-CA84DD3EC49D}" type="datetimeFigureOut">
               <a:rPr lang="en-AU" smtClean="0"/>
-              <a:t>26/09/2025</a:t>
+              <a:t>15/10/2025</a:t>
             </a:fld>
             <a:endParaRPr lang="en-AU"/>
           </a:p>
@@ -2758,7 +2779,7 @@
           <a:p>
             <a:fld id="{F9F56BFA-1CF3-44E4-B433-CA84DD3EC49D}" type="datetimeFigureOut">
               <a:rPr lang="en-AU" smtClean="0"/>
-              <a:t>26/09/2025</a:t>
+              <a:t>15/10/2025</a:t>
             </a:fld>
             <a:endParaRPr lang="en-AU"/>
           </a:p>
@@ -3047,7 +3068,7 @@
           <a:p>
             <a:fld id="{F9F56BFA-1CF3-44E4-B433-CA84DD3EC49D}" type="datetimeFigureOut">
               <a:rPr lang="en-AU" smtClean="0"/>
-              <a:t>26/09/2025</a:t>
+              <a:t>15/10/2025</a:t>
             </a:fld>
             <a:endParaRPr lang="en-AU"/>
           </a:p>
@@ -3290,7 +3311,7 @@
           <a:p>
             <a:fld id="{F9F56BFA-1CF3-44E4-B433-CA84DD3EC49D}" type="datetimeFigureOut">
               <a:rPr lang="en-AU" smtClean="0"/>
-              <a:t>26/09/2025</a:t>
+              <a:t>15/10/2025</a:t>
             </a:fld>
             <a:endParaRPr lang="en-AU"/>
           </a:p>
@@ -3728,7 +3749,10 @@
           <a:bodyPr/>
           <a:lstStyle/>
           <a:p>
-            <a:endParaRPr lang="en-AU"/>
+            <a:r>
+              <a:rPr lang="en-AU" dirty="0"/>
+              <a:t>Year 9 Investigation 2</a:t>
+            </a:r>
           </a:p>
         </p:txBody>
       </p:sp>
@@ -3753,7 +3777,10 @@
           <a:bodyPr/>
           <a:lstStyle/>
           <a:p>
-            <a:endParaRPr lang="en-AU"/>
+            <a:r>
+              <a:rPr lang="en-AU" dirty="0"/>
+              <a:t>Sean Chan</a:t>
+            </a:r>
           </a:p>
         </p:txBody>
       </p:sp>
@@ -4377,7 +4404,7 @@
           <a:lstStyle/>
           <a:p>
             <a:r>
-              <a:rPr lang="en-AU"/>
+              <a:rPr lang="en-AU" dirty="0"/>
               <a:t>Git (25 marks)</a:t>
             </a:r>
           </a:p>
@@ -4897,7 +4924,7 @@
             </a:br>
             <a:r>
               <a:rPr lang="en-US" dirty="0"/>
-              <a:t>image in your slides along with your approximate number of pixels and a snip of your </a:t>
+              <a:t>image in your slides along with your approximate ratio and a snip of your </a:t>
             </a:r>
             <a:br>
               <a:rPr lang="en-US" dirty="0"/>
